--- a/031.OSU/UI.pptx
+++ b/031.OSU/UI.pptx
@@ -259,7 +259,7 @@
           <a:p>
             <a:fld id="{CF2C3C33-65D2-471C-A76F-60924FCC6DAD}" type="datetimeFigureOut">
               <a:rPr lang="zh-CN" altLang="en-US" smtClean="0"/>
-              <a:t>2020/4/29</a:t>
+              <a:t>2020/4/30</a:t>
             </a:fld>
             <a:endParaRPr lang="zh-CN" altLang="en-US"/>
           </a:p>
@@ -457,7 +457,7 @@
           <a:p>
             <a:fld id="{CF2C3C33-65D2-471C-A76F-60924FCC6DAD}" type="datetimeFigureOut">
               <a:rPr lang="zh-CN" altLang="en-US" smtClean="0"/>
-              <a:t>2020/4/29</a:t>
+              <a:t>2020/4/30</a:t>
             </a:fld>
             <a:endParaRPr lang="zh-CN" altLang="en-US"/>
           </a:p>
@@ -665,7 +665,7 @@
           <a:p>
             <a:fld id="{CF2C3C33-65D2-471C-A76F-60924FCC6DAD}" type="datetimeFigureOut">
               <a:rPr lang="zh-CN" altLang="en-US" smtClean="0"/>
-              <a:t>2020/4/29</a:t>
+              <a:t>2020/4/30</a:t>
             </a:fld>
             <a:endParaRPr lang="zh-CN" altLang="en-US"/>
           </a:p>
@@ -863,7 +863,7 @@
           <a:p>
             <a:fld id="{CF2C3C33-65D2-471C-A76F-60924FCC6DAD}" type="datetimeFigureOut">
               <a:rPr lang="zh-CN" altLang="en-US" smtClean="0"/>
-              <a:t>2020/4/29</a:t>
+              <a:t>2020/4/30</a:t>
             </a:fld>
             <a:endParaRPr lang="zh-CN" altLang="en-US"/>
           </a:p>
@@ -1138,7 +1138,7 @@
           <a:p>
             <a:fld id="{CF2C3C33-65D2-471C-A76F-60924FCC6DAD}" type="datetimeFigureOut">
               <a:rPr lang="zh-CN" altLang="en-US" smtClean="0"/>
-              <a:t>2020/4/29</a:t>
+              <a:t>2020/4/30</a:t>
             </a:fld>
             <a:endParaRPr lang="zh-CN" altLang="en-US"/>
           </a:p>
@@ -1403,7 +1403,7 @@
           <a:p>
             <a:fld id="{CF2C3C33-65D2-471C-A76F-60924FCC6DAD}" type="datetimeFigureOut">
               <a:rPr lang="zh-CN" altLang="en-US" smtClean="0"/>
-              <a:t>2020/4/29</a:t>
+              <a:t>2020/4/30</a:t>
             </a:fld>
             <a:endParaRPr lang="zh-CN" altLang="en-US"/>
           </a:p>
@@ -1815,7 +1815,7 @@
           <a:p>
             <a:fld id="{CF2C3C33-65D2-471C-A76F-60924FCC6DAD}" type="datetimeFigureOut">
               <a:rPr lang="zh-CN" altLang="en-US" smtClean="0"/>
-              <a:t>2020/4/29</a:t>
+              <a:t>2020/4/30</a:t>
             </a:fld>
             <a:endParaRPr lang="zh-CN" altLang="en-US"/>
           </a:p>
@@ -1956,7 +1956,7 @@
           <a:p>
             <a:fld id="{CF2C3C33-65D2-471C-A76F-60924FCC6DAD}" type="datetimeFigureOut">
               <a:rPr lang="zh-CN" altLang="en-US" smtClean="0"/>
-              <a:t>2020/4/29</a:t>
+              <a:t>2020/4/30</a:t>
             </a:fld>
             <a:endParaRPr lang="zh-CN" altLang="en-US"/>
           </a:p>
@@ -2069,7 +2069,7 @@
           <a:p>
             <a:fld id="{CF2C3C33-65D2-471C-A76F-60924FCC6DAD}" type="datetimeFigureOut">
               <a:rPr lang="zh-CN" altLang="en-US" smtClean="0"/>
-              <a:t>2020/4/29</a:t>
+              <a:t>2020/4/30</a:t>
             </a:fld>
             <a:endParaRPr lang="zh-CN" altLang="en-US"/>
           </a:p>
@@ -2380,7 +2380,7 @@
           <a:p>
             <a:fld id="{CF2C3C33-65D2-471C-A76F-60924FCC6DAD}" type="datetimeFigureOut">
               <a:rPr lang="zh-CN" altLang="en-US" smtClean="0"/>
-              <a:t>2020/4/29</a:t>
+              <a:t>2020/4/30</a:t>
             </a:fld>
             <a:endParaRPr lang="zh-CN" altLang="en-US"/>
           </a:p>
@@ -2668,7 +2668,7 @@
           <a:p>
             <a:fld id="{CF2C3C33-65D2-471C-A76F-60924FCC6DAD}" type="datetimeFigureOut">
               <a:rPr lang="zh-CN" altLang="en-US" smtClean="0"/>
-              <a:t>2020/4/29</a:t>
+              <a:t>2020/4/30</a:t>
             </a:fld>
             <a:endParaRPr lang="zh-CN" altLang="en-US"/>
           </a:p>
@@ -2909,7 +2909,7 @@
           <a:p>
             <a:fld id="{CF2C3C33-65D2-471C-A76F-60924FCC6DAD}" type="datetimeFigureOut">
               <a:rPr lang="zh-CN" altLang="en-US" smtClean="0"/>
-              <a:t>2020/4/29</a:t>
+              <a:t>2020/4/30</a:t>
             </a:fld>
             <a:endParaRPr lang="zh-CN" altLang="en-US"/>
           </a:p>
@@ -3400,6 +3400,154 @@
           </a:effectLst>
         </p:spPr>
       </p:pic>
+      <p:pic>
+        <p:nvPicPr>
+          <p:cNvPr id="4" name="图片 3">
+            <a:extLst>
+              <a:ext uri="{FF2B5EF4-FFF2-40B4-BE49-F238E27FC236}">
+                <a16:creationId xmlns:a16="http://schemas.microsoft.com/office/drawing/2014/main" id="{7E93A444-A511-4BE6-B4D0-28EB142339E2}"/>
+              </a:ext>
+            </a:extLst>
+          </p:cNvPr>
+          <p:cNvPicPr>
+            <a:picLocks noChangeAspect="1"/>
+          </p:cNvPicPr>
+          <p:nvPr/>
+        </p:nvPicPr>
+        <p:blipFill>
+          <a:blip r:embed="rId4"/>
+          <a:stretch>
+            <a:fillRect/>
+          </a:stretch>
+        </p:blipFill>
+        <p:spPr>
+          <a:xfrm>
+            <a:off x="1424392" y="394536"/>
+            <a:ext cx="2478260" cy="2357637"/>
+          </a:xfrm>
+          <a:prstGeom prst="rect">
+            <a:avLst/>
+          </a:prstGeom>
+          <a:effectLst>
+            <a:outerShdw blurRad="101600" algn="ctr" rotWithShape="0">
+              <a:prstClr val="black">
+                <a:alpha val="40000"/>
+              </a:prstClr>
+            </a:outerShdw>
+          </a:effectLst>
+        </p:spPr>
+      </p:pic>
+      <p:pic>
+        <p:nvPicPr>
+          <p:cNvPr id="7" name="图片 6">
+            <a:extLst>
+              <a:ext uri="{FF2B5EF4-FFF2-40B4-BE49-F238E27FC236}">
+                <a16:creationId xmlns:a16="http://schemas.microsoft.com/office/drawing/2014/main" id="{41A70D9D-9850-4CD3-AACC-68D386D6419F}"/>
+              </a:ext>
+            </a:extLst>
+          </p:cNvPr>
+          <p:cNvPicPr>
+            <a:picLocks noChangeAspect="1"/>
+          </p:cNvPicPr>
+          <p:nvPr/>
+        </p:nvPicPr>
+        <p:blipFill>
+          <a:blip r:embed="rId5"/>
+          <a:stretch>
+            <a:fillRect/>
+          </a:stretch>
+        </p:blipFill>
+        <p:spPr>
+          <a:xfrm>
+            <a:off x="4650192" y="394536"/>
+            <a:ext cx="2478259" cy="2357636"/>
+          </a:xfrm>
+          <a:prstGeom prst="rect">
+            <a:avLst/>
+          </a:prstGeom>
+          <a:effectLst>
+            <a:outerShdw blurRad="101600" algn="ctr" rotWithShape="0">
+              <a:prstClr val="black">
+                <a:alpha val="40000"/>
+              </a:prstClr>
+            </a:outerShdw>
+          </a:effectLst>
+        </p:spPr>
+      </p:pic>
+      <p:pic>
+        <p:nvPicPr>
+          <p:cNvPr id="9" name="图片 8">
+            <a:extLst>
+              <a:ext uri="{FF2B5EF4-FFF2-40B4-BE49-F238E27FC236}">
+                <a16:creationId xmlns:a16="http://schemas.microsoft.com/office/drawing/2014/main" id="{82C2F6F2-EBCC-4902-BCDE-4D76B5147FA7}"/>
+              </a:ext>
+            </a:extLst>
+          </p:cNvPr>
+          <p:cNvPicPr>
+            <a:picLocks noChangeAspect="1"/>
+          </p:cNvPicPr>
+          <p:nvPr/>
+        </p:nvPicPr>
+        <p:blipFill>
+          <a:blip r:embed="rId6"/>
+          <a:stretch>
+            <a:fillRect/>
+          </a:stretch>
+        </p:blipFill>
+        <p:spPr>
+          <a:xfrm>
+            <a:off x="1424392" y="3277435"/>
+            <a:ext cx="2193149" cy="2357636"/>
+          </a:xfrm>
+          <a:prstGeom prst="rect">
+            <a:avLst/>
+          </a:prstGeom>
+          <a:effectLst>
+            <a:outerShdw blurRad="101600" algn="ctr" rotWithShape="0">
+              <a:prstClr val="black">
+                <a:alpha val="40000"/>
+              </a:prstClr>
+            </a:outerShdw>
+          </a:effectLst>
+        </p:spPr>
+      </p:pic>
+      <p:pic>
+        <p:nvPicPr>
+          <p:cNvPr id="13" name="图片 12">
+            <a:extLst>
+              <a:ext uri="{FF2B5EF4-FFF2-40B4-BE49-F238E27FC236}">
+                <a16:creationId xmlns:a16="http://schemas.microsoft.com/office/drawing/2014/main" id="{CBC6EB39-D222-4FAA-B7D1-CE0ACBE56FE9}"/>
+              </a:ext>
+            </a:extLst>
+          </p:cNvPr>
+          <p:cNvPicPr>
+            <a:picLocks noChangeAspect="1"/>
+          </p:cNvPicPr>
+          <p:nvPr/>
+        </p:nvPicPr>
+        <p:blipFill>
+          <a:blip r:embed="rId7"/>
+          <a:stretch>
+            <a:fillRect/>
+          </a:stretch>
+        </p:blipFill>
+        <p:spPr>
+          <a:xfrm>
+            <a:off x="4016360" y="4014034"/>
+            <a:ext cx="2193149" cy="2357635"/>
+          </a:xfrm>
+          <a:prstGeom prst="rect">
+            <a:avLst/>
+          </a:prstGeom>
+          <a:effectLst>
+            <a:outerShdw blurRad="101600" algn="ctr" rotWithShape="0">
+              <a:prstClr val="black">
+                <a:alpha val="40000"/>
+              </a:prstClr>
+            </a:outerShdw>
+          </a:effectLst>
+        </p:spPr>
+      </p:pic>
     </p:spTree>
     <p:extLst>
       <p:ext uri="{BB962C8B-B14F-4D97-AF65-F5344CB8AC3E}">
